--- a/figs/architecture.pptx
+++ b/figs/architecture.pptx
@@ -6,7 +6,8 @@
   </p:sldMasterIdLst>
   <p:sldIdLst>
     <p:sldId id="256" r:id="rId2"/>
-    <p:sldId id="257" r:id="rId3"/>
+    <p:sldId id="258" r:id="rId3"/>
+    <p:sldId id="257" r:id="rId4"/>
   </p:sldIdLst>
   <p:sldSz cx="9144000" cy="6858000" type="screen4x3"/>
   <p:notesSz cx="6858000" cy="9144000"/>
@@ -289,7 +290,7 @@
           <a:p>
             <a:fld id="{C4974D4B-E4BB-8E4D-8BED-8C47848FC1D2}" type="datetimeFigureOut">
               <a:rPr lang="en-US" smtClean="0"/>
-              <a:t>3/18/15</a:t>
+              <a:t>3/24/15</a:t>
             </a:fld>
             <a:endParaRPr lang="en-US"/>
           </a:p>
@@ -459,7 +460,7 @@
           <a:p>
             <a:fld id="{C4974D4B-E4BB-8E4D-8BED-8C47848FC1D2}" type="datetimeFigureOut">
               <a:rPr lang="en-US" smtClean="0"/>
-              <a:t>3/18/15</a:t>
+              <a:t>3/24/15</a:t>
             </a:fld>
             <a:endParaRPr lang="en-US"/>
           </a:p>
@@ -639,7 +640,7 @@
           <a:p>
             <a:fld id="{C4974D4B-E4BB-8E4D-8BED-8C47848FC1D2}" type="datetimeFigureOut">
               <a:rPr lang="en-US" smtClean="0"/>
-              <a:t>3/18/15</a:t>
+              <a:t>3/24/15</a:t>
             </a:fld>
             <a:endParaRPr lang="en-US"/>
           </a:p>
@@ -809,7 +810,7 @@
           <a:p>
             <a:fld id="{C4974D4B-E4BB-8E4D-8BED-8C47848FC1D2}" type="datetimeFigureOut">
               <a:rPr lang="en-US" smtClean="0"/>
-              <a:t>3/18/15</a:t>
+              <a:t>3/24/15</a:t>
             </a:fld>
             <a:endParaRPr lang="en-US"/>
           </a:p>
@@ -1055,7 +1056,7 @@
           <a:p>
             <a:fld id="{C4974D4B-E4BB-8E4D-8BED-8C47848FC1D2}" type="datetimeFigureOut">
               <a:rPr lang="en-US" smtClean="0"/>
-              <a:t>3/18/15</a:t>
+              <a:t>3/24/15</a:t>
             </a:fld>
             <a:endParaRPr lang="en-US"/>
           </a:p>
@@ -1343,7 +1344,7 @@
           <a:p>
             <a:fld id="{C4974D4B-E4BB-8E4D-8BED-8C47848FC1D2}" type="datetimeFigureOut">
               <a:rPr lang="en-US" smtClean="0"/>
-              <a:t>3/18/15</a:t>
+              <a:t>3/24/15</a:t>
             </a:fld>
             <a:endParaRPr lang="en-US"/>
           </a:p>
@@ -1765,7 +1766,7 @@
           <a:p>
             <a:fld id="{C4974D4B-E4BB-8E4D-8BED-8C47848FC1D2}" type="datetimeFigureOut">
               <a:rPr lang="en-US" smtClean="0"/>
-              <a:t>3/18/15</a:t>
+              <a:t>3/24/15</a:t>
             </a:fld>
             <a:endParaRPr lang="en-US"/>
           </a:p>
@@ -1883,7 +1884,7 @@
           <a:p>
             <a:fld id="{C4974D4B-E4BB-8E4D-8BED-8C47848FC1D2}" type="datetimeFigureOut">
               <a:rPr lang="en-US" smtClean="0"/>
-              <a:t>3/18/15</a:t>
+              <a:t>3/24/15</a:t>
             </a:fld>
             <a:endParaRPr lang="en-US"/>
           </a:p>
@@ -1978,7 +1979,7 @@
           <a:p>
             <a:fld id="{C4974D4B-E4BB-8E4D-8BED-8C47848FC1D2}" type="datetimeFigureOut">
               <a:rPr lang="en-US" smtClean="0"/>
-              <a:t>3/18/15</a:t>
+              <a:t>3/24/15</a:t>
             </a:fld>
             <a:endParaRPr lang="en-US"/>
           </a:p>
@@ -2255,7 +2256,7 @@
           <a:p>
             <a:fld id="{C4974D4B-E4BB-8E4D-8BED-8C47848FC1D2}" type="datetimeFigureOut">
               <a:rPr lang="en-US" smtClean="0"/>
-              <a:t>3/18/15</a:t>
+              <a:t>3/24/15</a:t>
             </a:fld>
             <a:endParaRPr lang="en-US"/>
           </a:p>
@@ -2508,7 +2509,7 @@
           <a:p>
             <a:fld id="{C4974D4B-E4BB-8E4D-8BED-8C47848FC1D2}" type="datetimeFigureOut">
               <a:rPr lang="en-US" smtClean="0"/>
-              <a:t>3/18/15</a:t>
+              <a:t>3/24/15</a:t>
             </a:fld>
             <a:endParaRPr lang="en-US"/>
           </a:p>
@@ -2721,7 +2722,7 @@
           <a:p>
             <a:fld id="{C4974D4B-E4BB-8E4D-8BED-8C47848FC1D2}" type="datetimeFigureOut">
               <a:rPr lang="en-US" smtClean="0"/>
-              <a:t>3/18/15</a:t>
+              <a:t>3/24/15</a:t>
             </a:fld>
             <a:endParaRPr lang="en-US"/>
           </a:p>
@@ -3733,6 +3734,841 @@
           <a:chExt cx="0" cy="0"/>
         </a:xfrm>
       </p:grpSpPr>
+      <p:sp>
+        <p:nvSpPr>
+          <p:cNvPr id="11" name="Rectangle 10"/>
+          <p:cNvSpPr/>
+          <p:nvPr/>
+        </p:nvSpPr>
+        <p:spPr>
+          <a:xfrm>
+            <a:off x="534275" y="3827517"/>
+            <a:ext cx="4081517" cy="814551"/>
+          </a:xfrm>
+          <a:prstGeom prst="rect">
+            <a:avLst/>
+          </a:prstGeom>
+          <a:noFill/>
+          <a:ln>
+            <a:solidFill>
+              <a:schemeClr val="bg1">
+                <a:lumMod val="50000"/>
+              </a:schemeClr>
+            </a:solidFill>
+          </a:ln>
+          <a:effectLst/>
+        </p:spPr>
+        <p:style>
+          <a:lnRef idx="1">
+            <a:schemeClr val="accent1"/>
+          </a:lnRef>
+          <a:fillRef idx="3">
+            <a:schemeClr val="accent1"/>
+          </a:fillRef>
+          <a:effectRef idx="2">
+            <a:schemeClr val="accent1"/>
+          </a:effectRef>
+          <a:fontRef idx="minor">
+            <a:schemeClr val="lt1"/>
+          </a:fontRef>
+        </p:style>
+        <p:txBody>
+          <a:bodyPr rtlCol="0" anchor="t"/>
+          <a:lstStyle/>
+          <a:p>
+            <a:pPr algn="ctr"/>
+            <a:r>
+              <a:rPr lang="en-US" dirty="0" smtClean="0">
+                <a:solidFill>
+                  <a:schemeClr val="tx1">
+                    <a:lumMod val="50000"/>
+                    <a:lumOff val="50000"/>
+                  </a:schemeClr>
+                </a:solidFill>
+                <a:latin typeface="Gill Sans"/>
+                <a:cs typeface="Gill Sans"/>
+              </a:rPr>
+              <a:t>Active Learning</a:t>
+            </a:r>
+            <a:endParaRPr lang="en-US" dirty="0">
+              <a:solidFill>
+                <a:schemeClr val="tx1">
+                  <a:lumMod val="50000"/>
+                  <a:lumOff val="50000"/>
+                </a:schemeClr>
+              </a:solidFill>
+              <a:latin typeface="Gill Sans"/>
+              <a:cs typeface="Gill Sans"/>
+            </a:endParaRPr>
+          </a:p>
+        </p:txBody>
+      </p:sp>
+      <p:sp>
+        <p:nvSpPr>
+          <p:cNvPr id="4" name="Rectangle 3"/>
+          <p:cNvSpPr/>
+          <p:nvPr/>
+        </p:nvSpPr>
+        <p:spPr>
+          <a:xfrm>
+            <a:off x="534275" y="1506483"/>
+            <a:ext cx="4081517" cy="2058276"/>
+          </a:xfrm>
+          <a:prstGeom prst="rect">
+            <a:avLst/>
+          </a:prstGeom>
+          <a:noFill/>
+          <a:ln>
+            <a:solidFill>
+              <a:schemeClr val="bg1">
+                <a:lumMod val="50000"/>
+              </a:schemeClr>
+            </a:solidFill>
+          </a:ln>
+          <a:effectLst/>
+        </p:spPr>
+        <p:style>
+          <a:lnRef idx="1">
+            <a:schemeClr val="accent1"/>
+          </a:lnRef>
+          <a:fillRef idx="3">
+            <a:schemeClr val="accent1"/>
+          </a:fillRef>
+          <a:effectRef idx="2">
+            <a:schemeClr val="accent1"/>
+          </a:effectRef>
+          <a:fontRef idx="minor">
+            <a:schemeClr val="lt1"/>
+          </a:fontRef>
+        </p:style>
+        <p:txBody>
+          <a:bodyPr rtlCol="0" anchor="b"/>
+          <a:lstStyle/>
+          <a:p>
+            <a:pPr algn="r"/>
+            <a:r>
+              <a:rPr lang="en-US" dirty="0" smtClean="0">
+                <a:solidFill>
+                  <a:srgbClr val="7F7F7F"/>
+                </a:solidFill>
+                <a:latin typeface="Gill Sans"/>
+                <a:cs typeface="Gill Sans"/>
+              </a:rPr>
+              <a:t>Deep </a:t>
+            </a:r>
+            <a:r>
+              <a:rPr lang="en-US" dirty="0" err="1" smtClean="0">
+                <a:solidFill>
+                  <a:srgbClr val="7F7F7F"/>
+                </a:solidFill>
+                <a:latin typeface="Gill Sans"/>
+                <a:cs typeface="Gill Sans"/>
+              </a:rPr>
+              <a:t>Clearner</a:t>
+            </a:r>
+            <a:endParaRPr lang="en-US" dirty="0">
+              <a:solidFill>
+                <a:srgbClr val="7F7F7F"/>
+              </a:solidFill>
+              <a:latin typeface="Gill Sans"/>
+              <a:cs typeface="Gill Sans"/>
+            </a:endParaRPr>
+          </a:p>
+        </p:txBody>
+      </p:sp>
+      <p:sp>
+        <p:nvSpPr>
+          <p:cNvPr id="5" name="Rectangle 4"/>
+          <p:cNvSpPr/>
+          <p:nvPr/>
+        </p:nvSpPr>
+        <p:spPr>
+          <a:xfrm>
+            <a:off x="686675" y="1658883"/>
+            <a:ext cx="1827049" cy="618358"/>
+          </a:xfrm>
+          <a:prstGeom prst="rect">
+            <a:avLst/>
+          </a:prstGeom>
+          <a:noFill/>
+          <a:ln>
+            <a:solidFill>
+              <a:schemeClr val="bg1">
+                <a:lumMod val="50000"/>
+              </a:schemeClr>
+            </a:solidFill>
+          </a:ln>
+          <a:effectLst/>
+        </p:spPr>
+        <p:style>
+          <a:lnRef idx="1">
+            <a:schemeClr val="accent1"/>
+          </a:lnRef>
+          <a:fillRef idx="3">
+            <a:schemeClr val="accent1"/>
+          </a:fillRef>
+          <a:effectRef idx="2">
+            <a:schemeClr val="accent1"/>
+          </a:effectRef>
+          <a:fontRef idx="minor">
+            <a:schemeClr val="lt1"/>
+          </a:fontRef>
+        </p:style>
+        <p:txBody>
+          <a:bodyPr rtlCol="0" anchor="ctr"/>
+          <a:lstStyle/>
+          <a:p>
+            <a:pPr algn="ctr"/>
+            <a:r>
+              <a:rPr lang="en-US" dirty="0" smtClean="0">
+                <a:solidFill>
+                  <a:schemeClr val="tx1">
+                    <a:lumMod val="50000"/>
+                    <a:lumOff val="50000"/>
+                  </a:schemeClr>
+                </a:solidFill>
+                <a:latin typeface="Gill Sans"/>
+                <a:cs typeface="Gill Sans"/>
+              </a:rPr>
+              <a:t>Logical</a:t>
+            </a:r>
+            <a:endParaRPr lang="en-US" dirty="0">
+              <a:solidFill>
+                <a:schemeClr val="tx1">
+                  <a:lumMod val="50000"/>
+                  <a:lumOff val="50000"/>
+                </a:schemeClr>
+              </a:solidFill>
+              <a:latin typeface="Gill Sans"/>
+              <a:cs typeface="Gill Sans"/>
+            </a:endParaRPr>
+          </a:p>
+        </p:txBody>
+      </p:sp>
+      <p:sp>
+        <p:nvSpPr>
+          <p:cNvPr id="6" name="TextBox 5"/>
+          <p:cNvSpPr txBox="1"/>
+          <p:nvPr/>
+        </p:nvSpPr>
+        <p:spPr>
+          <a:xfrm>
+            <a:off x="1331310" y="832069"/>
+            <a:ext cx="813256" cy="369332"/>
+          </a:xfrm>
+          <a:prstGeom prst="rect">
+            <a:avLst/>
+          </a:prstGeom>
+          <a:noFill/>
+        </p:spPr>
+        <p:txBody>
+          <a:bodyPr wrap="none" rtlCol="0">
+            <a:spAutoFit/>
+          </a:bodyPr>
+          <a:lstStyle/>
+          <a:p>
+            <a:r>
+              <a:rPr lang="en-US" dirty="0" smtClean="0">
+                <a:latin typeface="Gill Sans"/>
+                <a:cs typeface="Gill Sans"/>
+              </a:rPr>
+              <a:t>Query</a:t>
+            </a:r>
+            <a:endParaRPr lang="en-US" dirty="0">
+              <a:latin typeface="Gill Sans"/>
+              <a:cs typeface="Gill Sans"/>
+            </a:endParaRPr>
+          </a:p>
+        </p:txBody>
+      </p:sp>
+      <p:sp>
+        <p:nvSpPr>
+          <p:cNvPr id="7" name="Rectangle 6"/>
+          <p:cNvSpPr/>
+          <p:nvPr/>
+        </p:nvSpPr>
+        <p:spPr>
+          <a:xfrm>
+            <a:off x="779528" y="4195381"/>
+            <a:ext cx="3626070" cy="336331"/>
+          </a:xfrm>
+          <a:prstGeom prst="rect">
+            <a:avLst/>
+          </a:prstGeom>
+          <a:noFill/>
+          <a:ln>
+            <a:solidFill>
+              <a:schemeClr val="bg1">
+                <a:lumMod val="50000"/>
+              </a:schemeClr>
+            </a:solidFill>
+          </a:ln>
+          <a:effectLst/>
+        </p:spPr>
+        <p:style>
+          <a:lnRef idx="1">
+            <a:schemeClr val="accent1"/>
+          </a:lnRef>
+          <a:fillRef idx="3">
+            <a:schemeClr val="accent1"/>
+          </a:fillRef>
+          <a:effectRef idx="2">
+            <a:schemeClr val="accent1"/>
+          </a:effectRef>
+          <a:fontRef idx="minor">
+            <a:schemeClr val="lt1"/>
+          </a:fontRef>
+        </p:style>
+        <p:txBody>
+          <a:bodyPr rtlCol="0" anchor="ctr"/>
+          <a:lstStyle/>
+          <a:p>
+            <a:pPr algn="ctr"/>
+            <a:r>
+              <a:rPr lang="en-US" dirty="0" smtClean="0">
+                <a:solidFill>
+                  <a:schemeClr val="tx1">
+                    <a:lumMod val="50000"/>
+                    <a:lumOff val="50000"/>
+                  </a:schemeClr>
+                </a:solidFill>
+                <a:latin typeface="Gill Sans"/>
+                <a:cs typeface="Gill Sans"/>
+              </a:rPr>
+              <a:t>Crowds</a:t>
+            </a:r>
+            <a:endParaRPr lang="en-US" dirty="0">
+              <a:solidFill>
+                <a:schemeClr val="tx1">
+                  <a:lumMod val="50000"/>
+                  <a:lumOff val="50000"/>
+                </a:schemeClr>
+              </a:solidFill>
+              <a:latin typeface="Gill Sans"/>
+              <a:cs typeface="Gill Sans"/>
+            </a:endParaRPr>
+          </a:p>
+        </p:txBody>
+      </p:sp>
+      <p:cxnSp>
+        <p:nvCxnSpPr>
+          <p:cNvPr id="8" name="Straight Arrow Connector 7"/>
+          <p:cNvCxnSpPr>
+            <a:stCxn id="6" idx="2"/>
+          </p:cNvCxnSpPr>
+          <p:nvPr/>
+        </p:nvCxnSpPr>
+        <p:spPr>
+          <a:xfrm>
+            <a:off x="1737938" y="1201401"/>
+            <a:ext cx="13786" cy="305082"/>
+          </a:xfrm>
+          <a:prstGeom prst="straightConnector1">
+            <a:avLst/>
+          </a:prstGeom>
+          <a:ln>
+            <a:solidFill>
+              <a:srgbClr val="7F7F7F"/>
+            </a:solidFill>
+            <a:tailEnd type="arrow"/>
+          </a:ln>
+          <a:effectLst/>
+        </p:spPr>
+        <p:style>
+          <a:lnRef idx="2">
+            <a:schemeClr val="accent1"/>
+          </a:lnRef>
+          <a:fillRef idx="0">
+            <a:schemeClr val="accent1"/>
+          </a:fillRef>
+          <a:effectRef idx="1">
+            <a:schemeClr val="accent1"/>
+          </a:effectRef>
+          <a:fontRef idx="minor">
+            <a:schemeClr val="tx1"/>
+          </a:fontRef>
+        </p:style>
+      </p:cxnSp>
+      <p:sp>
+        <p:nvSpPr>
+          <p:cNvPr id="9" name="Rectangle 8"/>
+          <p:cNvSpPr/>
+          <p:nvPr/>
+        </p:nvSpPr>
+        <p:spPr>
+          <a:xfrm>
+            <a:off x="686675" y="2450662"/>
+            <a:ext cx="1827049" cy="618358"/>
+          </a:xfrm>
+          <a:prstGeom prst="rect">
+            <a:avLst/>
+          </a:prstGeom>
+          <a:noFill/>
+          <a:ln>
+            <a:solidFill>
+              <a:schemeClr val="bg1">
+                <a:lumMod val="50000"/>
+              </a:schemeClr>
+            </a:solidFill>
+          </a:ln>
+          <a:effectLst/>
+        </p:spPr>
+        <p:style>
+          <a:lnRef idx="1">
+            <a:schemeClr val="accent1"/>
+          </a:lnRef>
+          <a:fillRef idx="3">
+            <a:schemeClr val="accent1"/>
+          </a:fillRef>
+          <a:effectRef idx="2">
+            <a:schemeClr val="accent1"/>
+          </a:effectRef>
+          <a:fontRef idx="minor">
+            <a:schemeClr val="lt1"/>
+          </a:fontRef>
+        </p:style>
+        <p:txBody>
+          <a:bodyPr rtlCol="0" anchor="ctr"/>
+          <a:lstStyle/>
+          <a:p>
+            <a:pPr algn="ctr"/>
+            <a:r>
+              <a:rPr lang="en-US" dirty="0" smtClean="0">
+                <a:solidFill>
+                  <a:schemeClr val="tx1">
+                    <a:lumMod val="50000"/>
+                    <a:lumOff val="50000"/>
+                  </a:schemeClr>
+                </a:solidFill>
+                <a:latin typeface="Gill Sans"/>
+                <a:cs typeface="Gill Sans"/>
+              </a:rPr>
+              <a:t>Physical</a:t>
+            </a:r>
+            <a:endParaRPr lang="en-US" dirty="0">
+              <a:solidFill>
+                <a:schemeClr val="tx1">
+                  <a:lumMod val="50000"/>
+                  <a:lumOff val="50000"/>
+                </a:schemeClr>
+              </a:solidFill>
+              <a:latin typeface="Gill Sans"/>
+              <a:cs typeface="Gill Sans"/>
+            </a:endParaRPr>
+          </a:p>
+        </p:txBody>
+      </p:sp>
+      <p:sp>
+        <p:nvSpPr>
+          <p:cNvPr id="12" name="Rectangle 11"/>
+          <p:cNvSpPr/>
+          <p:nvPr/>
+        </p:nvSpPr>
+        <p:spPr>
+          <a:xfrm>
+            <a:off x="5419833" y="1502104"/>
+            <a:ext cx="1827049" cy="618358"/>
+          </a:xfrm>
+          <a:prstGeom prst="rect">
+            <a:avLst/>
+          </a:prstGeom>
+          <a:noFill/>
+          <a:ln>
+            <a:solidFill>
+              <a:schemeClr val="bg1">
+                <a:lumMod val="50000"/>
+              </a:schemeClr>
+            </a:solidFill>
+          </a:ln>
+          <a:effectLst/>
+        </p:spPr>
+        <p:style>
+          <a:lnRef idx="1">
+            <a:schemeClr val="accent1"/>
+          </a:lnRef>
+          <a:fillRef idx="3">
+            <a:schemeClr val="accent1"/>
+          </a:fillRef>
+          <a:effectRef idx="2">
+            <a:schemeClr val="accent1"/>
+          </a:effectRef>
+          <a:fontRef idx="minor">
+            <a:schemeClr val="lt1"/>
+          </a:fontRef>
+        </p:style>
+        <p:txBody>
+          <a:bodyPr rtlCol="0" anchor="ctr"/>
+          <a:lstStyle/>
+          <a:p>
+            <a:pPr algn="ctr"/>
+            <a:r>
+              <a:rPr lang="en-US" dirty="0" smtClean="0">
+                <a:solidFill>
+                  <a:schemeClr val="tx1">
+                    <a:lumMod val="50000"/>
+                    <a:lumOff val="50000"/>
+                  </a:schemeClr>
+                </a:solidFill>
+                <a:latin typeface="Gill Sans"/>
+                <a:cs typeface="Gill Sans"/>
+              </a:rPr>
+              <a:t>Filter</a:t>
+            </a:r>
+            <a:endParaRPr lang="en-US" dirty="0">
+              <a:solidFill>
+                <a:schemeClr val="tx1">
+                  <a:lumMod val="50000"/>
+                  <a:lumOff val="50000"/>
+                </a:schemeClr>
+              </a:solidFill>
+              <a:latin typeface="Gill Sans"/>
+              <a:cs typeface="Gill Sans"/>
+            </a:endParaRPr>
+          </a:p>
+        </p:txBody>
+      </p:sp>
+      <p:sp>
+        <p:nvSpPr>
+          <p:cNvPr id="13" name="Rectangle 12"/>
+          <p:cNvSpPr/>
+          <p:nvPr/>
+        </p:nvSpPr>
+        <p:spPr>
+          <a:xfrm>
+            <a:off x="5419833" y="2133600"/>
+            <a:ext cx="1827049" cy="618358"/>
+          </a:xfrm>
+          <a:prstGeom prst="rect">
+            <a:avLst/>
+          </a:prstGeom>
+          <a:noFill/>
+          <a:ln>
+            <a:solidFill>
+              <a:schemeClr val="bg1">
+                <a:lumMod val="50000"/>
+              </a:schemeClr>
+            </a:solidFill>
+          </a:ln>
+          <a:effectLst/>
+        </p:spPr>
+        <p:style>
+          <a:lnRef idx="1">
+            <a:schemeClr val="accent1"/>
+          </a:lnRef>
+          <a:fillRef idx="3">
+            <a:schemeClr val="accent1"/>
+          </a:fillRef>
+          <a:effectRef idx="2">
+            <a:schemeClr val="accent1"/>
+          </a:effectRef>
+          <a:fontRef idx="minor">
+            <a:schemeClr val="lt1"/>
+          </a:fontRef>
+        </p:style>
+        <p:txBody>
+          <a:bodyPr rtlCol="0" anchor="ctr"/>
+          <a:lstStyle/>
+          <a:p>
+            <a:pPr algn="ctr"/>
+            <a:r>
+              <a:rPr lang="en-US" dirty="0" smtClean="0">
+                <a:solidFill>
+                  <a:schemeClr val="tx1">
+                    <a:lumMod val="50000"/>
+                    <a:lumOff val="50000"/>
+                  </a:schemeClr>
+                </a:solidFill>
+                <a:latin typeface="Gill Sans"/>
+                <a:cs typeface="Gill Sans"/>
+              </a:rPr>
+              <a:t>Similarity Join</a:t>
+            </a:r>
+            <a:endParaRPr lang="en-US" dirty="0">
+              <a:solidFill>
+                <a:schemeClr val="tx1">
+                  <a:lumMod val="50000"/>
+                  <a:lumOff val="50000"/>
+                </a:schemeClr>
+              </a:solidFill>
+              <a:latin typeface="Gill Sans"/>
+              <a:cs typeface="Gill Sans"/>
+            </a:endParaRPr>
+          </a:p>
+        </p:txBody>
+      </p:sp>
+      <p:sp>
+        <p:nvSpPr>
+          <p:cNvPr id="14" name="Rectangle 13"/>
+          <p:cNvSpPr/>
+          <p:nvPr/>
+        </p:nvSpPr>
+        <p:spPr>
+          <a:xfrm>
+            <a:off x="5419833" y="2757214"/>
+            <a:ext cx="1827049" cy="618358"/>
+          </a:xfrm>
+          <a:prstGeom prst="rect">
+            <a:avLst/>
+          </a:prstGeom>
+          <a:noFill/>
+          <a:ln>
+            <a:solidFill>
+              <a:schemeClr val="bg1">
+                <a:lumMod val="50000"/>
+              </a:schemeClr>
+            </a:solidFill>
+          </a:ln>
+          <a:effectLst/>
+        </p:spPr>
+        <p:style>
+          <a:lnRef idx="1">
+            <a:schemeClr val="accent1"/>
+          </a:lnRef>
+          <a:fillRef idx="3">
+            <a:schemeClr val="accent1"/>
+          </a:fillRef>
+          <a:effectRef idx="2">
+            <a:schemeClr val="accent1"/>
+          </a:effectRef>
+          <a:fontRef idx="minor">
+            <a:schemeClr val="lt1"/>
+          </a:fontRef>
+        </p:style>
+        <p:txBody>
+          <a:bodyPr rtlCol="0" anchor="ctr"/>
+          <a:lstStyle/>
+          <a:p>
+            <a:pPr algn="ctr"/>
+            <a:r>
+              <a:rPr lang="en-US" dirty="0" smtClean="0">
+                <a:solidFill>
+                  <a:schemeClr val="tx1">
+                    <a:lumMod val="50000"/>
+                    <a:lumOff val="50000"/>
+                  </a:schemeClr>
+                </a:solidFill>
+                <a:latin typeface="Gill Sans"/>
+                <a:cs typeface="Gill Sans"/>
+              </a:rPr>
+              <a:t>Extractor</a:t>
+            </a:r>
+            <a:endParaRPr lang="en-US" dirty="0">
+              <a:solidFill>
+                <a:schemeClr val="tx1">
+                  <a:lumMod val="50000"/>
+                  <a:lumOff val="50000"/>
+                </a:schemeClr>
+              </a:solidFill>
+              <a:latin typeface="Gill Sans"/>
+              <a:cs typeface="Gill Sans"/>
+            </a:endParaRPr>
+          </a:p>
+        </p:txBody>
+      </p:sp>
+      <p:sp>
+        <p:nvSpPr>
+          <p:cNvPr id="15" name="Rectangle 14"/>
+          <p:cNvSpPr/>
+          <p:nvPr/>
+        </p:nvSpPr>
+        <p:spPr>
+          <a:xfrm>
+            <a:off x="5419833" y="3375572"/>
+            <a:ext cx="1827049" cy="618358"/>
+          </a:xfrm>
+          <a:prstGeom prst="rect">
+            <a:avLst/>
+          </a:prstGeom>
+          <a:noFill/>
+          <a:ln>
+            <a:solidFill>
+              <a:schemeClr val="bg1">
+                <a:lumMod val="50000"/>
+              </a:schemeClr>
+            </a:solidFill>
+          </a:ln>
+          <a:effectLst/>
+        </p:spPr>
+        <p:style>
+          <a:lnRef idx="1">
+            <a:schemeClr val="accent1"/>
+          </a:lnRef>
+          <a:fillRef idx="3">
+            <a:schemeClr val="accent1"/>
+          </a:fillRef>
+          <a:effectRef idx="2">
+            <a:schemeClr val="accent1"/>
+          </a:effectRef>
+          <a:fontRef idx="minor">
+            <a:schemeClr val="lt1"/>
+          </a:fontRef>
+        </p:style>
+        <p:txBody>
+          <a:bodyPr rtlCol="0" anchor="ctr"/>
+          <a:lstStyle/>
+          <a:p>
+            <a:pPr algn="ctr"/>
+            <a:r>
+              <a:rPr lang="en-US" dirty="0" smtClean="0">
+                <a:solidFill>
+                  <a:schemeClr val="tx1">
+                    <a:lumMod val="50000"/>
+                    <a:lumOff val="50000"/>
+                  </a:schemeClr>
+                </a:solidFill>
+                <a:latin typeface="Gill Sans"/>
+                <a:cs typeface="Gill Sans"/>
+              </a:rPr>
+              <a:t>Active Learner</a:t>
+            </a:r>
+            <a:endParaRPr lang="en-US" dirty="0">
+              <a:solidFill>
+                <a:schemeClr val="tx1">
+                  <a:lumMod val="50000"/>
+                  <a:lumOff val="50000"/>
+                </a:schemeClr>
+              </a:solidFill>
+              <a:latin typeface="Gill Sans"/>
+              <a:cs typeface="Gill Sans"/>
+            </a:endParaRPr>
+          </a:p>
+        </p:txBody>
+      </p:sp>
+      <p:sp>
+        <p:nvSpPr>
+          <p:cNvPr id="16" name="Rectangle 15"/>
+          <p:cNvSpPr/>
+          <p:nvPr/>
+        </p:nvSpPr>
+        <p:spPr>
+          <a:xfrm>
+            <a:off x="5419833" y="3993930"/>
+            <a:ext cx="1827049" cy="618358"/>
+          </a:xfrm>
+          <a:prstGeom prst="rect">
+            <a:avLst/>
+          </a:prstGeom>
+          <a:noFill/>
+          <a:ln>
+            <a:solidFill>
+              <a:schemeClr val="bg1">
+                <a:lumMod val="50000"/>
+              </a:schemeClr>
+            </a:solidFill>
+          </a:ln>
+          <a:effectLst/>
+        </p:spPr>
+        <p:style>
+          <a:lnRef idx="1">
+            <a:schemeClr val="accent1"/>
+          </a:lnRef>
+          <a:fillRef idx="3">
+            <a:schemeClr val="accent1"/>
+          </a:fillRef>
+          <a:effectRef idx="2">
+            <a:schemeClr val="accent1"/>
+          </a:effectRef>
+          <a:fontRef idx="minor">
+            <a:schemeClr val="lt1"/>
+          </a:fontRef>
+        </p:style>
+        <p:txBody>
+          <a:bodyPr rtlCol="0" anchor="ctr"/>
+          <a:lstStyle/>
+          <a:p>
+            <a:pPr algn="ctr"/>
+            <a:r>
+              <a:rPr lang="en-US" dirty="0" err="1" smtClean="0">
+                <a:solidFill>
+                  <a:schemeClr val="tx1">
+                    <a:lumMod val="50000"/>
+                    <a:lumOff val="50000"/>
+                  </a:schemeClr>
+                </a:solidFill>
+                <a:latin typeface="Gill Sans"/>
+                <a:cs typeface="Gill Sans"/>
+              </a:rPr>
+              <a:t>Featurizer</a:t>
+            </a:r>
+            <a:endParaRPr lang="en-US" dirty="0">
+              <a:solidFill>
+                <a:schemeClr val="tx1">
+                  <a:lumMod val="50000"/>
+                  <a:lumOff val="50000"/>
+                </a:schemeClr>
+              </a:solidFill>
+              <a:latin typeface="Gill Sans"/>
+              <a:cs typeface="Gill Sans"/>
+            </a:endParaRPr>
+          </a:p>
+        </p:txBody>
+      </p:sp>
+      <p:sp>
+        <p:nvSpPr>
+          <p:cNvPr id="17" name="TextBox 16"/>
+          <p:cNvSpPr txBox="1"/>
+          <p:nvPr/>
+        </p:nvSpPr>
+        <p:spPr>
+          <a:xfrm>
+            <a:off x="5419833" y="919655"/>
+            <a:ext cx="1879053" cy="369332"/>
+          </a:xfrm>
+          <a:prstGeom prst="rect">
+            <a:avLst/>
+          </a:prstGeom>
+          <a:noFill/>
+        </p:spPr>
+        <p:txBody>
+          <a:bodyPr wrap="none" rtlCol="0">
+            <a:spAutoFit/>
+          </a:bodyPr>
+          <a:lstStyle/>
+          <a:p>
+            <a:r>
+              <a:rPr lang="en-US" dirty="0" smtClean="0">
+                <a:latin typeface="Gill Sans"/>
+                <a:cs typeface="Gill Sans"/>
+              </a:rPr>
+              <a:t>Logical Operators</a:t>
+            </a:r>
+            <a:endParaRPr lang="en-US" dirty="0" smtClean="0">
+              <a:latin typeface="Gill Sans"/>
+              <a:cs typeface="Gill Sans"/>
+            </a:endParaRPr>
+          </a:p>
+        </p:txBody>
+      </p:sp>
+    </p:spTree>
+    <p:extLst>
+      <p:ext uri="{BB962C8B-B14F-4D97-AF65-F5344CB8AC3E}">
+        <p14:creationId xmlns:p14="http://schemas.microsoft.com/office/powerpoint/2010/main" val="2078666674"/>
+      </p:ext>
+    </p:extLst>
+  </p:cSld>
+  <p:clrMapOvr>
+    <a:masterClrMapping/>
+  </p:clrMapOvr>
+</p:sld>
+</file>
+
+<file path=ppt/slides/slide3.xml><?xml version="1.0" encoding="utf-8"?>
+<p:sld xmlns:a="http://schemas.openxmlformats.org/drawingml/2006/main" xmlns:r="http://schemas.openxmlformats.org/officeDocument/2006/relationships" xmlns:p="http://schemas.openxmlformats.org/presentationml/2006/main">
+  <p:cSld>
+    <p:spTree>
+      <p:nvGrpSpPr>
+        <p:cNvPr id="1" name=""/>
+        <p:cNvGrpSpPr/>
+        <p:nvPr/>
+      </p:nvGrpSpPr>
+      <p:grpSpPr>
+        <a:xfrm>
+          <a:off x="0" y="0"/>
+          <a:ext cx="0" cy="0"/>
+          <a:chOff x="0" y="0"/>
+          <a:chExt cx="0" cy="0"/>
+        </a:xfrm>
+      </p:grpSpPr>
       <p:graphicFrame>
         <p:nvGraphicFramePr>
           <p:cNvPr id="5" name="Table 4"/>
@@ -5252,9 +6088,29 @@
   </a:themeElements>
   <a:objectDefaults>
     <a:spDef>
-      <a:spPr/>
-      <a:bodyPr/>
-      <a:lstStyle/>
+      <a:spPr>
+        <a:noFill/>
+        <a:ln>
+          <a:solidFill>
+            <a:schemeClr val="bg1">
+              <a:lumMod val="50000"/>
+            </a:schemeClr>
+          </a:solidFill>
+        </a:ln>
+        <a:effectLst/>
+      </a:spPr>
+      <a:bodyPr rtlCol="0" anchor="b"/>
+      <a:lstStyle>
+        <a:defPPr algn="r">
+          <a:defRPr dirty="0" smtClean="0">
+            <a:solidFill>
+              <a:srgbClr val="7F7F7F"/>
+            </a:solidFill>
+            <a:latin typeface="Gill Sans"/>
+            <a:cs typeface="Gill Sans"/>
+          </a:defRPr>
+        </a:defPPr>
+      </a:lstStyle>
       <a:style>
         <a:lnRef idx="1">
           <a:schemeClr val="accent1"/>
@@ -5271,7 +6127,15 @@
       </a:style>
     </a:spDef>
     <a:lnDef>
-      <a:spPr/>
+      <a:spPr>
+        <a:ln>
+          <a:solidFill>
+            <a:srgbClr val="7F7F7F"/>
+          </a:solidFill>
+          <a:tailEnd type="arrow"/>
+        </a:ln>
+        <a:effectLst/>
+      </a:spPr>
       <a:bodyPr/>
       <a:lstStyle/>
       <a:style>
@@ -5289,6 +6153,22 @@
         </a:fontRef>
       </a:style>
     </a:lnDef>
+    <a:txDef>
+      <a:spPr>
+        <a:noFill/>
+      </a:spPr>
+      <a:bodyPr wrap="none" rtlCol="0">
+        <a:spAutoFit/>
+      </a:bodyPr>
+      <a:lstStyle>
+        <a:defPPr>
+          <a:defRPr dirty="0" smtClean="0">
+            <a:latin typeface="Gill Sans"/>
+            <a:cs typeface="Gill Sans"/>
+          </a:defRPr>
+        </a:defPPr>
+      </a:lstStyle>
+    </a:txDef>
   </a:objectDefaults>
   <a:extraClrSchemeLst/>
 </a:theme>
